--- a/Умные города.pptx
+++ b/Умные города.pptx
@@ -233,7 +233,7 @@
             <a:pPr rtl="0"/>
             <a:fld id="{94E02F83-989F-460F-8BCF-600BEE66FA94}" type="datetime1">
               <a:rPr lang="ru-RU" smtClean="0"/>
-              <a:t>20.11.2021</a:t>
+              <a:t>27.11.2021</a:t>
             </a:fld>
             <a:endParaRPr lang="ru-RU"/>
           </a:p>
@@ -415,7 +415,7 @@
             <a:pPr rtl="0"/>
             <a:fld id="{3F3B38FB-4DB5-44E0-9A67-8136128C51EC}" type="datetime1">
               <a:rPr lang="ru-RU" noProof="0" smtClean="0"/>
-              <a:t>20.11.2021</a:t>
+              <a:t>27.11.2021</a:t>
             </a:fld>
             <a:endParaRPr lang="ru-RU" noProof="0"/>
           </a:p>
@@ -13165,14 +13165,19 @@
                 <a:latin typeface="Calibri" panose="020F0502020204030204" pitchFamily="34" charset="0"/>
                 <a:cs typeface="Calibri" panose="020F0502020204030204" pitchFamily="34" charset="0"/>
               </a:rPr>
-              <a:t>80% попадаемости </a:t>
-            </a:r>
-            <a:r>
-              <a:rPr lang="ru-RU" sz="2000" spc="-20" dirty="0">
+              <a:t>80</a:t>
+            </a:r>
+            <a:r>
+              <a:rPr lang="en-US" sz="2000" b="1" spc="-20" dirty="0">
+                <a:solidFill>
+                  <a:schemeClr val="accent2">
+                    <a:lumMod val="75000"/>
+                  </a:schemeClr>
+                </a:solidFill>
                 <a:latin typeface="Calibri" panose="020F0502020204030204" pitchFamily="34" charset="0"/>
                 <a:cs typeface="Calibri" panose="020F0502020204030204" pitchFamily="34" charset="0"/>
               </a:rPr>
-              <a:t>в рейтинг достигнуто при N, равном </a:t>
+              <a:t>%</a:t>
             </a:r>
             <a:r>
               <a:rPr lang="ru-RU" sz="2000" b="1" spc="-20" dirty="0">
@@ -13184,14 +13189,33 @@
                 <a:latin typeface="Calibri" panose="020F0502020204030204" pitchFamily="34" charset="0"/>
                 <a:cs typeface="Calibri" panose="020F0502020204030204" pitchFamily="34" charset="0"/>
               </a:rPr>
-              <a:t>26</a:t>
+              <a:t> </a:t>
             </a:r>
             <a:r>
               <a:rPr lang="ru-RU" sz="2000" spc="-20" dirty="0">
                 <a:latin typeface="Calibri" panose="020F0502020204030204" pitchFamily="34" charset="0"/>
                 <a:cs typeface="Calibri" panose="020F0502020204030204" pitchFamily="34" charset="0"/>
               </a:rPr>
-              <a:t>. </a:t>
+              <a:t>городов входят в топ-</a:t>
+            </a:r>
+            <a:r>
+              <a:rPr lang="ru-RU" sz="2000" b="1" spc="-20" dirty="0">
+                <a:solidFill>
+                  <a:schemeClr val="accent2">
+                    <a:lumMod val="75000"/>
+                  </a:schemeClr>
+                </a:solidFill>
+                <a:latin typeface="Calibri" panose="020F0502020204030204" pitchFamily="34" charset="0"/>
+                <a:cs typeface="Calibri" panose="020F0502020204030204" pitchFamily="34" charset="0"/>
+              </a:rPr>
+              <a:t>26 </a:t>
+            </a:r>
+            <a:r>
+              <a:rPr lang="ru-RU" sz="2000" spc="-20" dirty="0">
+                <a:latin typeface="Calibri" panose="020F0502020204030204" pitchFamily="34" charset="0"/>
+                <a:cs typeface="Calibri" panose="020F0502020204030204" pitchFamily="34" charset="0"/>
+              </a:rPr>
+              <a:t>хотя бы по одной категории. </a:t>
             </a:r>
           </a:p>
         </p:txBody>
@@ -16420,14 +16444,14 @@
           <p:nvPr>
             <p:extLst>
               <p:ext uri="{D42A27DB-BD31-4B8C-83A1-F6EECF244321}">
-                <p14:modId xmlns:p14="http://schemas.microsoft.com/office/powerpoint/2010/main" val="1205961610"/>
+                <p14:modId xmlns:p14="http://schemas.microsoft.com/office/powerpoint/2010/main" val="2740132704"/>
               </p:ext>
             </p:extLst>
           </p:nvPr>
         </p:nvGraphicFramePr>
         <p:xfrm>
           <a:off x="10143426" y="3027131"/>
-          <a:ext cx="1853502" cy="3034212"/>
+          <a:ext cx="1853502" cy="2777424"/>
         </p:xfrm>
         <a:graphic>
           <a:graphicData uri="http://schemas.openxmlformats.org/drawingml/2006/table">
@@ -16452,7 +16476,7 @@
                     <a:p>
                       <a:r>
                         <a:rPr lang="ru-RU" sz="1400" b="1" dirty="0"/>
-                        <a:t>Категории 2014 г</a:t>
+                        <a:t>Категории 2019 г</a:t>
                       </a:r>
                     </a:p>
                   </a:txBody>
@@ -16589,38 +16613,6 @@
                 <a:extLst>
                   <a:ext uri="{0D108BD9-81ED-4DB2-BD59-A6C34878D82A}">
                     <a16:rowId xmlns:a16="http://schemas.microsoft.com/office/drawing/2014/main" val="2325767798"/>
-                  </a:ext>
-                </a:extLst>
-              </a:tr>
-              <a:tr h="256788">
-                <a:tc>
-                  <a:txBody>
-                    <a:bodyPr/>
-                    <a:lstStyle/>
-                    <a:p>
-                      <a:pPr marL="0" indent="0" algn="l" defTabSz="914400" rtl="0" eaLnBrk="1" latinLnBrk="0" hangingPunct="1">
-                        <a:spcBef>
-                          <a:spcPts val="600"/>
-                        </a:spcBef>
-                      </a:pPr>
-                      <a:r>
-                        <a:rPr lang="ru-RU" sz="1200" kern="1200" dirty="0">
-                          <a:solidFill>
-                            <a:schemeClr val="tx1"/>
-                          </a:solidFill>
-                          <a:latin typeface="+mn-lt"/>
-                          <a:ea typeface="+mn-ea"/>
-                          <a:cs typeface="+mn-cs"/>
-                        </a:rPr>
-                        <a:t>Экономика</a:t>
-                      </a:r>
-                    </a:p>
-                  </a:txBody>
-                  <a:tcPr marL="72000" marR="72000" marT="36000" marB="36000"/>
-                </a:tc>
-                <a:extLst>
-                  <a:ext uri="{0D108BD9-81ED-4DB2-BD59-A6C34878D82A}">
-                    <a16:rowId xmlns:a16="http://schemas.microsoft.com/office/drawing/2014/main" val="2314070658"/>
                   </a:ext>
                 </a:extLst>
               </a:tr>
@@ -19967,66 +19959,6 @@
           </a:p>
         </p:txBody>
       </p:sp>
-      <p:pic>
-        <p:nvPicPr>
-          <p:cNvPr id="4" name="Рисунок 3">
-            <a:extLst>
-              <a:ext uri="{FF2B5EF4-FFF2-40B4-BE49-F238E27FC236}">
-                <a16:creationId xmlns:a16="http://schemas.microsoft.com/office/drawing/2014/main" id="{1E73F066-FD2E-4DB6-A442-273A0C09BD62}"/>
-              </a:ext>
-            </a:extLst>
-          </p:cNvPr>
-          <p:cNvPicPr>
-            <a:picLocks noChangeAspect="1"/>
-          </p:cNvPicPr>
-          <p:nvPr/>
-        </p:nvPicPr>
-        <p:blipFill>
-          <a:blip r:embed="rId3"/>
-          <a:stretch>
-            <a:fillRect/>
-          </a:stretch>
-        </p:blipFill>
-        <p:spPr>
-          <a:xfrm>
-            <a:off x="1447799" y="4503741"/>
-            <a:ext cx="2676376" cy="1908213"/>
-          </a:xfrm>
-          <a:prstGeom prst="rect">
-            <a:avLst/>
-          </a:prstGeom>
-        </p:spPr>
-      </p:pic>
-      <p:pic>
-        <p:nvPicPr>
-          <p:cNvPr id="5" name="Рисунок 4">
-            <a:extLst>
-              <a:ext uri="{FF2B5EF4-FFF2-40B4-BE49-F238E27FC236}">
-                <a16:creationId xmlns:a16="http://schemas.microsoft.com/office/drawing/2014/main" id="{97AE5FE0-7E52-474A-883F-8FF3906339BA}"/>
-              </a:ext>
-            </a:extLst>
-          </p:cNvPr>
-          <p:cNvPicPr>
-            <a:picLocks noChangeAspect="1"/>
-          </p:cNvPicPr>
-          <p:nvPr/>
-        </p:nvPicPr>
-        <p:blipFill>
-          <a:blip r:embed="rId4"/>
-          <a:stretch>
-            <a:fillRect/>
-          </a:stretch>
-        </p:blipFill>
-        <p:spPr>
-          <a:xfrm>
-            <a:off x="4489588" y="4503741"/>
-            <a:ext cx="2676376" cy="1908213"/>
-          </a:xfrm>
-          <a:prstGeom prst="rect">
-            <a:avLst/>
-          </a:prstGeom>
-        </p:spPr>
-      </p:pic>
       <p:sp>
         <p:nvSpPr>
           <p:cNvPr id="12" name="TextBox 11">
@@ -20106,6 +20038,66 @@
           </a:p>
         </p:txBody>
       </p:sp>
+      <p:pic>
+        <p:nvPicPr>
+          <p:cNvPr id="2" name="Рисунок 1">
+            <a:extLst>
+              <a:ext uri="{FF2B5EF4-FFF2-40B4-BE49-F238E27FC236}">
+                <a16:creationId xmlns:a16="http://schemas.microsoft.com/office/drawing/2014/main" id="{9EB192E6-E87E-4F7A-AA79-4819A7C4465B}"/>
+              </a:ext>
+            </a:extLst>
+          </p:cNvPr>
+          <p:cNvPicPr>
+            <a:picLocks noChangeAspect="1"/>
+          </p:cNvPicPr>
+          <p:nvPr/>
+        </p:nvPicPr>
+        <p:blipFill>
+          <a:blip r:embed="rId3"/>
+          <a:stretch>
+            <a:fillRect/>
+          </a:stretch>
+        </p:blipFill>
+        <p:spPr>
+          <a:xfrm>
+            <a:off x="1284721" y="4374978"/>
+            <a:ext cx="2780017" cy="1981372"/>
+          </a:xfrm>
+          <a:prstGeom prst="rect">
+            <a:avLst/>
+          </a:prstGeom>
+        </p:spPr>
+      </p:pic>
+      <p:pic>
+        <p:nvPicPr>
+          <p:cNvPr id="3" name="Рисунок 2">
+            <a:extLst>
+              <a:ext uri="{FF2B5EF4-FFF2-40B4-BE49-F238E27FC236}">
+                <a16:creationId xmlns:a16="http://schemas.microsoft.com/office/drawing/2014/main" id="{566CF82B-8D43-4604-ACBE-639B128B1622}"/>
+              </a:ext>
+            </a:extLst>
+          </p:cNvPr>
+          <p:cNvPicPr>
+            <a:picLocks noChangeAspect="1"/>
+          </p:cNvPicPr>
+          <p:nvPr/>
+        </p:nvPicPr>
+        <p:blipFill>
+          <a:blip r:embed="rId4"/>
+          <a:stretch>
+            <a:fillRect/>
+          </a:stretch>
+        </p:blipFill>
+        <p:spPr>
+          <a:xfrm>
+            <a:off x="4437767" y="4374978"/>
+            <a:ext cx="2780017" cy="1981372"/>
+          </a:xfrm>
+          <a:prstGeom prst="rect">
+            <a:avLst/>
+          </a:prstGeom>
+        </p:spPr>
+      </p:pic>
     </p:spTree>
     <p:extLst>
       <p:ext uri="{BB962C8B-B14F-4D97-AF65-F5344CB8AC3E}">
@@ -27338,6 +27330,15 @@
 </file>
 
 <file path=customXml/item1.xml><?xml version="1.0" encoding="utf-8"?>
+<?mso-contentType ?>
+<FormTemplates xmlns="http://schemas.microsoft.com/sharepoint/v3/contenttype/forms">
+  <Display>DocumentLibraryForm</Display>
+  <Edit>DocumentLibraryForm</Edit>
+  <New>DocumentLibraryForm</New>
+</FormTemplates>
+</file>
+
+<file path=customXml/item2.xml><?xml version="1.0" encoding="utf-8"?>
 <p:properties xmlns:p="http://schemas.microsoft.com/office/2006/metadata/properties" xmlns:xsi="http://www.w3.org/2001/XMLSchema-instance" xmlns:pc="http://schemas.microsoft.com/office/infopath/2007/PartnerControls">
   <documentManagement>
     <Status xmlns="71af3243-3dd4-4a8d-8c0d-dd76da1f02a5">Not started</Status>
@@ -27354,15 +27355,6 @@
     <MediaServiceKeyPoints xmlns="71af3243-3dd4-4a8d-8c0d-dd76da1f02a5" xsi:nil="true"/>
   </documentManagement>
 </p:properties>
-</file>
-
-<file path=customXml/item2.xml><?xml version="1.0" encoding="utf-8"?>
-<?mso-contentType ?>
-<FormTemplates xmlns="http://schemas.microsoft.com/sharepoint/v3/contenttype/forms">
-  <Display>DocumentLibraryForm</Display>
-  <Edit>DocumentLibraryForm</Edit>
-  <New>DocumentLibraryForm</New>
-</FormTemplates>
 </file>
 
 <file path=customXml/item3.xml><?xml version="1.0" encoding="utf-8"?>
@@ -27642,6 +27634,14 @@
 </file>
 
 <file path=customXml/itemProps1.xml><?xml version="1.0" encoding="utf-8"?>
+<ds:datastoreItem xmlns:ds="http://schemas.openxmlformats.org/officeDocument/2006/customXml" ds:itemID="{A5CCB28C-7D26-4A36-9CFC-D739C28F3D18}">
+  <ds:schemaRefs>
+    <ds:schemaRef ds:uri="http://schemas.microsoft.com/sharepoint/v3/contenttype/forms"/>
+  </ds:schemaRefs>
+</ds:datastoreItem>
+</file>
+
+<file path=customXml/itemProps2.xml><?xml version="1.0" encoding="utf-8"?>
 <ds:datastoreItem xmlns:ds="http://schemas.openxmlformats.org/officeDocument/2006/customXml" ds:itemID="{08757C30-AE9A-4680-90EB-19D282EC2B7C}">
   <ds:schemaRefs>
     <ds:schemaRef ds:uri="http://schemas.microsoft.com/office/2006/metadata/properties"/>
@@ -27649,14 +27649,6 @@
     <ds:schemaRef ds:uri="71af3243-3dd4-4a8d-8c0d-dd76da1f02a5"/>
     <ds:schemaRef ds:uri="http://schemas.microsoft.com/sharepoint/v3"/>
     <ds:schemaRef ds:uri="230e9df3-be65-4c73-a93b-d1236ebd677e"/>
-  </ds:schemaRefs>
-</ds:datastoreItem>
-</file>
-
-<file path=customXml/itemProps2.xml><?xml version="1.0" encoding="utf-8"?>
-<ds:datastoreItem xmlns:ds="http://schemas.openxmlformats.org/officeDocument/2006/customXml" ds:itemID="{A5CCB28C-7D26-4A36-9CFC-D739C28F3D18}">
-  <ds:schemaRefs>
-    <ds:schemaRef ds:uri="http://schemas.microsoft.com/sharepoint/v3/contenttype/forms"/>
   </ds:schemaRefs>
 </ds:datastoreItem>
 </file>
